--- a/lesson1/pre-requisites-training-materials.pptx
+++ b/lesson1/pre-requisites-training-materials.pptx
@@ -2981,70 +2981,13 @@
       </p:grpSpPr>
       <p:sp>
         <p:nvSpPr>
-          <p:cNvPr id="4" name="TextBox 3"/>
-          <p:cNvSpPr txBox="1"/>
-          <p:nvPr/>
-        </p:nvSpPr>
-        <p:spPr>
-          <a:xfrm>
-            <a:off x="1816100" y="2679700"/>
-            <a:ext cx="8559800" cy="861774"/>
-          </a:xfrm>
-          <a:prstGeom prst="rect">
-            <a:avLst/>
-          </a:prstGeom>
-          <a:noFill/>
-        </p:spPr>
-        <p:txBody>
-          <a:bodyPr wrap="square" rtlCol="0">
-            <a:spAutoFit/>
-          </a:bodyPr>
-          <a:lstStyle/>
-          <a:p>
-            <a:pPr algn="ctr"/>
-            <a:r>
-              <a:rPr lang="en-US" sz="1600" b="1" dirty="0" smtClean="0"/>
-              <a:t>Gmail </a:t>
-            </a:r>
-            <a:r>
-              <a:rPr lang="en-US" sz="1600" dirty="0" smtClean="0"/>
-              <a:t>https://mail.google.com/</a:t>
-            </a:r>
-          </a:p>
-          <a:p>
-            <a:pPr algn="ctr"/>
-            <a:r>
-              <a:rPr lang="en-US" sz="1600" b="1" dirty="0" smtClean="0"/>
-              <a:t>Alexa Developer </a:t>
-            </a:r>
-            <a:r>
-              <a:rPr lang="en-US" sz="1600" dirty="0" smtClean="0"/>
-              <a:t>https://developer.amazon.com/alexa/console/ask</a:t>
-            </a:r>
-          </a:p>
-          <a:p>
-            <a:pPr algn="ctr"/>
-            <a:r>
-              <a:rPr lang="en-US" sz="1600" b="1" dirty="0" smtClean="0"/>
-              <a:t>GitHub </a:t>
-            </a:r>
-            <a:r>
-              <a:rPr lang="en-US" sz="1600" dirty="0" smtClean="0"/>
-              <a:t>https://github.com/</a:t>
-            </a:r>
-            <a:endParaRPr lang="en-US" sz="1600" dirty="0"/>
-          </a:p>
-        </p:txBody>
-      </p:sp>
-      <p:sp>
-        <p:nvSpPr>
           <p:cNvPr id="5" name="Rectangle 4"/>
           <p:cNvSpPr/>
           <p:nvPr/>
         </p:nvSpPr>
         <p:spPr>
           <a:xfrm>
-            <a:off x="3487985" y="1151235"/>
+            <a:off x="3917476" y="2619817"/>
             <a:ext cx="5216043" cy="923330"/>
           </a:xfrm>
           <a:prstGeom prst="rect">
@@ -3295,7 +3238,9 @@
           <a:prstGeom prst="rect">
             <a:avLst/>
           </a:prstGeom>
-          <a:noFill/>
+          <a:solidFill>
+            <a:srgbClr val="FFFF00"/>
+          </a:solidFill>
         </p:spPr>
         <p:txBody>
           <a:bodyPr wrap="square" rtlCol="0">
@@ -3422,13 +3367,15 @@
         </p:nvSpPr>
         <p:spPr>
           <a:xfrm>
-            <a:off x="3983254" y="5817622"/>
-            <a:ext cx="4239491" cy="646331"/>
+            <a:off x="4068077" y="5817622"/>
+            <a:ext cx="3456637" cy="646331"/>
           </a:xfrm>
           <a:prstGeom prst="rect">
             <a:avLst/>
           </a:prstGeom>
-          <a:noFill/>
+          <a:solidFill>
+            <a:srgbClr val="FFFF00"/>
+          </a:solidFill>
         </p:spPr>
         <p:txBody>
           <a:bodyPr wrap="square" rtlCol="0">
@@ -3561,7 +3508,9 @@
           <a:prstGeom prst="rect">
             <a:avLst/>
           </a:prstGeom>
-          <a:noFill/>
+          <a:solidFill>
+            <a:srgbClr val="FFFF00"/>
+          </a:solidFill>
         </p:spPr>
         <p:txBody>
           <a:bodyPr wrap="square" rtlCol="0">
@@ -3584,7 +3533,7 @@
                   </a:outerShdw>
                 </a:effectLst>
               </a:rPr>
-              <a:t>ESP8266 NodeMCU</a:t>
+              <a:t>LEDs</a:t>
             </a:r>
             <a:endParaRPr lang="en-US" sz="3600" dirty="0">
               <a:ln w="0"/>
@@ -3694,7 +3643,9 @@
           <a:prstGeom prst="rect">
             <a:avLst/>
           </a:prstGeom>
-          <a:noFill/>
+          <a:solidFill>
+            <a:srgbClr val="FFFF00"/>
+          </a:solidFill>
         </p:spPr>
         <p:txBody>
           <a:bodyPr wrap="square" rtlCol="0">
@@ -3868,7 +3819,9 @@
           <a:prstGeom prst="rect">
             <a:avLst/>
           </a:prstGeom>
-          <a:noFill/>
+          <a:solidFill>
+            <a:srgbClr val="FFFF00"/>
+          </a:solidFill>
         </p:spPr>
         <p:txBody>
           <a:bodyPr wrap="square" rtlCol="0">
@@ -3917,13 +3870,15 @@
         </p:nvSpPr>
         <p:spPr>
           <a:xfrm>
-            <a:off x="7970593" y="3714525"/>
-            <a:ext cx="2690374" cy="646331"/>
+            <a:off x="8669192" y="3763284"/>
+            <a:ext cx="1710931" cy="646331"/>
           </a:xfrm>
           <a:prstGeom prst="rect">
             <a:avLst/>
           </a:prstGeom>
-          <a:noFill/>
+          <a:solidFill>
+            <a:srgbClr val="FFFF00"/>
+          </a:solidFill>
         </p:spPr>
         <p:txBody>
           <a:bodyPr wrap="square" rtlCol="0">
@@ -3972,13 +3927,15 @@
         </p:nvSpPr>
         <p:spPr>
           <a:xfrm>
-            <a:off x="1717490" y="3763284"/>
-            <a:ext cx="2690374" cy="646331"/>
+            <a:off x="1859683" y="3391359"/>
+            <a:ext cx="1733937" cy="646331"/>
           </a:xfrm>
           <a:prstGeom prst="rect">
             <a:avLst/>
           </a:prstGeom>
-          <a:noFill/>
+          <a:solidFill>
+            <a:srgbClr val="FFFF00"/>
+          </a:solidFill>
         </p:spPr>
         <p:txBody>
           <a:bodyPr wrap="square" rtlCol="0">
@@ -4111,7 +4068,9 @@
           <a:prstGeom prst="rect">
             <a:avLst/>
           </a:prstGeom>
-          <a:noFill/>
+          <a:solidFill>
+            <a:srgbClr val="FFFF00"/>
+          </a:solidFill>
         </p:spPr>
         <p:txBody>
           <a:bodyPr wrap="square" rtlCol="0">
@@ -4244,7 +4203,9 @@
           <a:prstGeom prst="rect">
             <a:avLst/>
           </a:prstGeom>
-          <a:noFill/>
+          <a:solidFill>
+            <a:srgbClr val="FFFF00"/>
+          </a:solidFill>
         </p:spPr>
         <p:txBody>
           <a:bodyPr wrap="square" rtlCol="0">
